--- a/API Analysis/Review deck/CRA Integrations (Unabridged).pptx
+++ b/API Analysis/Review deck/CRA Integrations (Unabridged).pptx
@@ -5,9 +5,10 @@
     <p:sldMasterId id="2147483660" r:id="rId1"/>
   </p:sldMasterIdLst>
   <p:sldIdLst>
-    <p:sldId id="281" r:id="rId2"/>
-    <p:sldId id="282" r:id="rId3"/>
-    <p:sldId id="283" r:id="rId4"/>
+    <p:sldId id="284" r:id="rId2"/>
+    <p:sldId id="281" r:id="rId3"/>
+    <p:sldId id="282" r:id="rId4"/>
+    <p:sldId id="283" r:id="rId5"/>
   </p:sldIdLst>
   <p:sldSz cx="12192000" cy="6858000"/>
   <p:notesSz cx="6858000" cy="9144000"/>
@@ -117,9 +118,180 @@
 <file path=ppt/revisionInfo.xml><?xml version="1.0" encoding="utf-8"?>
 <p1510:revInfo xmlns:a="http://schemas.openxmlformats.org/drawingml/2006/main" xmlns:r="http://schemas.openxmlformats.org/officeDocument/2006/relationships" xmlns:p1510="http://schemas.microsoft.com/office/powerpoint/2015/10/main">
   <p1510:revLst>
-    <p1510:client id="{6ABC62D6-D33C-0E46-8C44-D93D8F305866}" v="133" dt="2021-07-07T14:28:13.904"/>
+    <p1510:client id="{6ABC62D6-D33C-0E46-8C44-D93D8F305866}" v="140" dt="2021-07-10T20:44:14.032"/>
   </p1510:revLst>
 </p1510:revInfo>
+</file>
+
+<file path=ppt/changesInfos/changesInfo1.xml><?xml version="1.0" encoding="utf-8"?>
+<pc:chgInfo xmlns:a="http://schemas.openxmlformats.org/drawingml/2006/main" xmlns:r="http://schemas.openxmlformats.org/officeDocument/2006/relationships" xmlns:ac="http://schemas.microsoft.com/office/drawing/2013/main/command" xmlns:pc="http://schemas.microsoft.com/office/powerpoint/2013/main/command">
+  <pc:docChgLst>
+    <pc:chgData name="udai parvathaneni" userId="d83d812613df3043" providerId="LiveId" clId="{6ABC62D6-D33C-0E46-8C44-D93D8F305866}"/>
+    <pc:docChg chg="custSel addSld modSld sldOrd">
+      <pc:chgData name="udai parvathaneni" userId="d83d812613df3043" providerId="LiveId" clId="{6ABC62D6-D33C-0E46-8C44-D93D8F305866}" dt="2021-07-10T20:46:39.223" v="854" actId="20577"/>
+      <pc:docMkLst>
+        <pc:docMk/>
+      </pc:docMkLst>
+      <pc:sldChg chg="addSp delSp modSp mod">
+        <pc:chgData name="udai parvathaneni" userId="d83d812613df3043" providerId="LiveId" clId="{6ABC62D6-D33C-0E46-8C44-D93D8F305866}" dt="2021-07-10T20:44:25.704" v="852" actId="404"/>
+        <pc:sldMkLst>
+          <pc:docMk/>
+          <pc:sldMk cId="4142471711" sldId="281"/>
+        </pc:sldMkLst>
+        <pc:spChg chg="mod">
+          <ac:chgData name="udai parvathaneni" userId="d83d812613df3043" providerId="LiveId" clId="{6ABC62D6-D33C-0E46-8C44-D93D8F305866}" dt="2021-07-10T20:43:34.921" v="834" actId="20577"/>
+          <ac:spMkLst>
+            <pc:docMk/>
+            <pc:sldMk cId="4142471711" sldId="281"/>
+            <ac:spMk id="58" creationId="{7339587C-B4F4-0540-9857-DA9654DDA788}"/>
+          </ac:spMkLst>
+        </pc:spChg>
+        <pc:spChg chg="mod">
+          <ac:chgData name="udai parvathaneni" userId="d83d812613df3043" providerId="LiveId" clId="{6ABC62D6-D33C-0E46-8C44-D93D8F305866}" dt="2021-07-10T20:43:38.709" v="835"/>
+          <ac:spMkLst>
+            <pc:docMk/>
+            <pc:sldMk cId="4142471711" sldId="281"/>
+            <ac:spMk id="94" creationId="{F83434D0-EC4E-5149-9673-0BD1E5F17BB1}"/>
+          </ac:spMkLst>
+        </pc:spChg>
+        <pc:spChg chg="mod">
+          <ac:chgData name="udai parvathaneni" userId="d83d812613df3043" providerId="LiveId" clId="{6ABC62D6-D33C-0E46-8C44-D93D8F305866}" dt="2021-07-10T20:43:38.709" v="835"/>
+          <ac:spMkLst>
+            <pc:docMk/>
+            <pc:sldMk cId="4142471711" sldId="281"/>
+            <ac:spMk id="95" creationId="{7B640C2E-AF34-A741-8FB2-83F634F959A4}"/>
+          </ac:spMkLst>
+        </pc:spChg>
+        <pc:spChg chg="mod">
+          <ac:chgData name="udai parvathaneni" userId="d83d812613df3043" providerId="LiveId" clId="{6ABC62D6-D33C-0E46-8C44-D93D8F305866}" dt="2021-07-10T20:43:43.273" v="836" actId="571"/>
+          <ac:spMkLst>
+            <pc:docMk/>
+            <pc:sldMk cId="4142471711" sldId="281"/>
+            <ac:spMk id="97" creationId="{AACD6E24-EF87-E147-A0BF-4DA63C09E004}"/>
+          </ac:spMkLst>
+        </pc:spChg>
+        <pc:spChg chg="mod">
+          <ac:chgData name="udai parvathaneni" userId="d83d812613df3043" providerId="LiveId" clId="{6ABC62D6-D33C-0E46-8C44-D93D8F305866}" dt="2021-07-10T20:43:43.273" v="836" actId="571"/>
+          <ac:spMkLst>
+            <pc:docMk/>
+            <pc:sldMk cId="4142471711" sldId="281"/>
+            <ac:spMk id="98" creationId="{EA6434A8-6F08-CA47-AE06-03B5438DF976}"/>
+          </ac:spMkLst>
+        </pc:spChg>
+        <pc:spChg chg="mod">
+          <ac:chgData name="udai parvathaneni" userId="d83d812613df3043" providerId="LiveId" clId="{6ABC62D6-D33C-0E46-8C44-D93D8F305866}" dt="2021-07-10T20:43:57.887" v="839"/>
+          <ac:spMkLst>
+            <pc:docMk/>
+            <pc:sldMk cId="4142471711" sldId="281"/>
+            <ac:spMk id="100" creationId="{A112E60F-5781-E445-BAB2-E0D3775B8912}"/>
+          </ac:spMkLst>
+        </pc:spChg>
+        <pc:spChg chg="mod">
+          <ac:chgData name="udai parvathaneni" userId="d83d812613df3043" providerId="LiveId" clId="{6ABC62D6-D33C-0E46-8C44-D93D8F305866}" dt="2021-07-10T20:44:25.704" v="852" actId="404"/>
+          <ac:spMkLst>
+            <pc:docMk/>
+            <pc:sldMk cId="4142471711" sldId="281"/>
+            <ac:spMk id="101" creationId="{4330886C-E6C9-2B4E-AA69-5E145EC9E941}"/>
+          </ac:spMkLst>
+        </pc:spChg>
+        <pc:grpChg chg="add del mod">
+          <ac:chgData name="udai parvathaneni" userId="d83d812613df3043" providerId="LiveId" clId="{6ABC62D6-D33C-0E46-8C44-D93D8F305866}" dt="2021-07-10T20:44:11.403" v="848" actId="478"/>
+          <ac:grpSpMkLst>
+            <pc:docMk/>
+            <pc:sldMk cId="4142471711" sldId="281"/>
+            <ac:grpSpMk id="93" creationId="{C024CE65-7172-7142-A6E6-F634AF3BA44A}"/>
+          </ac:grpSpMkLst>
+        </pc:grpChg>
+        <pc:grpChg chg="add del mod">
+          <ac:chgData name="udai parvathaneni" userId="d83d812613df3043" providerId="LiveId" clId="{6ABC62D6-D33C-0E46-8C44-D93D8F305866}" dt="2021-07-10T20:43:45.259" v="837" actId="478"/>
+          <ac:grpSpMkLst>
+            <pc:docMk/>
+            <pc:sldMk cId="4142471711" sldId="281"/>
+            <ac:grpSpMk id="96" creationId="{724AA85E-A030-7149-82E8-48B0A4FB701F}"/>
+          </ac:grpSpMkLst>
+        </pc:grpChg>
+        <pc:grpChg chg="add mod">
+          <ac:chgData name="udai parvathaneni" userId="d83d812613df3043" providerId="LiveId" clId="{6ABC62D6-D33C-0E46-8C44-D93D8F305866}" dt="2021-07-10T20:44:02.765" v="840" actId="1076"/>
+          <ac:grpSpMkLst>
+            <pc:docMk/>
+            <pc:sldMk cId="4142471711" sldId="281"/>
+            <ac:grpSpMk id="99" creationId="{EE0A27F6-04B4-CD43-9CAD-5E4D5E05E8B6}"/>
+          </ac:grpSpMkLst>
+        </pc:grpChg>
+        <pc:picChg chg="del">
+          <ac:chgData name="udai parvathaneni" userId="d83d812613df3043" providerId="LiveId" clId="{6ABC62D6-D33C-0E46-8C44-D93D8F305866}" dt="2021-07-10T20:43:15.811" v="827" actId="478"/>
+          <ac:picMkLst>
+            <pc:docMk/>
+            <pc:sldMk cId="4142471711" sldId="281"/>
+            <ac:picMk id="73" creationId="{4423D2A3-D279-FE4C-BC6D-3A4DD4EF1BD8}"/>
+          </ac:picMkLst>
+        </pc:picChg>
+        <pc:picChg chg="mod">
+          <ac:chgData name="udai parvathaneni" userId="d83d812613df3043" providerId="LiveId" clId="{6ABC62D6-D33C-0E46-8C44-D93D8F305866}" dt="2021-07-10T20:43:54.241" v="838" actId="1076"/>
+          <ac:picMkLst>
+            <pc:docMk/>
+            <pc:sldMk cId="4142471711" sldId="281"/>
+            <ac:picMk id="91" creationId="{80F4D87D-AB79-6049-9992-C78712F17D76}"/>
+          </ac:picMkLst>
+        </pc:picChg>
+        <pc:picChg chg="add mod">
+          <ac:chgData name="udai parvathaneni" userId="d83d812613df3043" providerId="LiveId" clId="{6ABC62D6-D33C-0E46-8C44-D93D8F305866}" dt="2021-07-10T20:43:24.961" v="829" actId="1076"/>
+          <ac:picMkLst>
+            <pc:docMk/>
+            <pc:sldMk cId="4142471711" sldId="281"/>
+            <ac:picMk id="92" creationId="{D4F74F99-3EAA-EE4A-89FC-043B03415785}"/>
+          </ac:picMkLst>
+        </pc:picChg>
+        <pc:picChg chg="add mod">
+          <ac:chgData name="udai parvathaneni" userId="d83d812613df3043" providerId="LiveId" clId="{6ABC62D6-D33C-0E46-8C44-D93D8F305866}" dt="2021-07-10T20:44:18.508" v="850" actId="1076"/>
+          <ac:picMkLst>
+            <pc:docMk/>
+            <pc:sldMk cId="4142471711" sldId="281"/>
+            <ac:picMk id="102" creationId="{FA6B5E81-12CE-8E4E-9487-224DA43807C9}"/>
+          </ac:picMkLst>
+        </pc:picChg>
+      </pc:sldChg>
+      <pc:sldChg chg="modSp mod">
+        <pc:chgData name="udai parvathaneni" userId="d83d812613df3043" providerId="LiveId" clId="{6ABC62D6-D33C-0E46-8C44-D93D8F305866}" dt="2021-07-09T15:10:24.797" v="3" actId="20577"/>
+        <pc:sldMkLst>
+          <pc:docMk/>
+          <pc:sldMk cId="860781691" sldId="282"/>
+        </pc:sldMkLst>
+        <pc:spChg chg="mod">
+          <ac:chgData name="udai parvathaneni" userId="d83d812613df3043" providerId="LiveId" clId="{6ABC62D6-D33C-0E46-8C44-D93D8F305866}" dt="2021-07-09T15:10:24.797" v="3" actId="20577"/>
+          <ac:spMkLst>
+            <pc:docMk/>
+            <pc:sldMk cId="860781691" sldId="282"/>
+            <ac:spMk id="90" creationId="{7EA6AFEE-79DA-2148-89A2-666E51C0BFBF}"/>
+          </ac:spMkLst>
+        </pc:spChg>
+      </pc:sldChg>
+      <pc:sldChg chg="modSp new mod ord">
+        <pc:chgData name="udai parvathaneni" userId="d83d812613df3043" providerId="LiveId" clId="{6ABC62D6-D33C-0E46-8C44-D93D8F305866}" dt="2021-07-10T20:46:39.223" v="854" actId="20577"/>
+        <pc:sldMkLst>
+          <pc:docMk/>
+          <pc:sldMk cId="2278286267" sldId="284"/>
+        </pc:sldMkLst>
+        <pc:spChg chg="mod">
+          <ac:chgData name="udai parvathaneni" userId="d83d812613df3043" providerId="LiveId" clId="{6ABC62D6-D33C-0E46-8C44-D93D8F305866}" dt="2021-07-10T20:40:25.056" v="528" actId="20577"/>
+          <ac:spMkLst>
+            <pc:docMk/>
+            <pc:sldMk cId="2278286267" sldId="284"/>
+            <ac:spMk id="2" creationId="{F8E449E8-7B4A-8147-A0F8-1BB70A4DB66E}"/>
+          </ac:spMkLst>
+        </pc:spChg>
+        <pc:spChg chg="mod">
+          <ac:chgData name="udai parvathaneni" userId="d83d812613df3043" providerId="LiveId" clId="{6ABC62D6-D33C-0E46-8C44-D93D8F305866}" dt="2021-07-10T20:46:39.223" v="854" actId="20577"/>
+          <ac:spMkLst>
+            <pc:docMk/>
+            <pc:sldMk cId="2278286267" sldId="284"/>
+            <ac:spMk id="3" creationId="{0F445A18-51D8-4644-82C6-BEA5CDD6DC49}"/>
+          </ac:spMkLst>
+        </pc:spChg>
+      </pc:sldChg>
+    </pc:docChg>
+  </pc:docChgLst>
+</pc:chgInfo>
 </file>
 
 <file path=ppt/diagrams/colors1.xml><?xml version="1.0" encoding="utf-8"?>
@@ -6503,7 +6675,7 @@
           <a:p>
             <a:fld id="{9849E1E5-33A2-D546-B755-DFF33A1BED4A}" type="datetimeFigureOut">
               <a:rPr lang="en-US" smtClean="0"/>
-              <a:t>7/6/21</a:t>
+              <a:t>7/10/21</a:t>
             </a:fld>
             <a:endParaRPr lang="en-US"/>
           </a:p>
@@ -6680,7 +6852,7 @@
           <a:p>
             <a:fld id="{9849E1E5-33A2-D546-B755-DFF33A1BED4A}" type="datetimeFigureOut">
               <a:rPr lang="en-US" smtClean="0"/>
-              <a:t>7/6/21</a:t>
+              <a:t>7/10/21</a:t>
             </a:fld>
             <a:endParaRPr lang="en-US"/>
           </a:p>
@@ -6860,7 +7032,7 @@
           <a:p>
             <a:fld id="{9849E1E5-33A2-D546-B755-DFF33A1BED4A}" type="datetimeFigureOut">
               <a:rPr lang="en-US" smtClean="0"/>
-              <a:t>7/6/21</a:t>
+              <a:t>7/10/21</a:t>
             </a:fld>
             <a:endParaRPr lang="en-US"/>
           </a:p>
@@ -7030,7 +7202,7 @@
           <a:p>
             <a:fld id="{9849E1E5-33A2-D546-B755-DFF33A1BED4A}" type="datetimeFigureOut">
               <a:rPr lang="en-US" smtClean="0"/>
-              <a:t>7/6/21</a:t>
+              <a:t>7/10/21</a:t>
             </a:fld>
             <a:endParaRPr lang="en-US"/>
           </a:p>
@@ -7351,7 +7523,7 @@
           <a:p>
             <a:fld id="{9849E1E5-33A2-D546-B755-DFF33A1BED4A}" type="datetimeFigureOut">
               <a:rPr lang="en-US" smtClean="0"/>
-              <a:t>7/6/21</a:t>
+              <a:t>7/10/21</a:t>
             </a:fld>
             <a:endParaRPr lang="en-US"/>
           </a:p>
@@ -7811,7 +7983,7 @@
           <a:p>
             <a:fld id="{9849E1E5-33A2-D546-B755-DFF33A1BED4A}" type="datetimeFigureOut">
               <a:rPr lang="en-US" smtClean="0"/>
-              <a:t>7/6/21</a:t>
+              <a:t>7/10/21</a:t>
             </a:fld>
             <a:endParaRPr lang="en-US"/>
           </a:p>
@@ -8222,7 +8394,7 @@
           <a:p>
             <a:fld id="{9849E1E5-33A2-D546-B755-DFF33A1BED4A}" type="datetimeFigureOut">
               <a:rPr lang="en-US" smtClean="0"/>
-              <a:t>7/6/21</a:t>
+              <a:t>7/10/21</a:t>
             </a:fld>
             <a:endParaRPr lang="en-US"/>
           </a:p>
@@ -8340,7 +8512,7 @@
           <a:p>
             <a:fld id="{9849E1E5-33A2-D546-B755-DFF33A1BED4A}" type="datetimeFigureOut">
               <a:rPr lang="en-US" smtClean="0"/>
-              <a:t>7/6/21</a:t>
+              <a:t>7/10/21</a:t>
             </a:fld>
             <a:endParaRPr lang="en-US"/>
           </a:p>
@@ -8457,7 +8629,7 @@
           <a:p>
             <a:fld id="{9849E1E5-33A2-D546-B755-DFF33A1BED4A}" type="datetimeFigureOut">
               <a:rPr lang="en-US" smtClean="0"/>
-              <a:t>7/6/21</a:t>
+              <a:t>7/10/21</a:t>
             </a:fld>
             <a:endParaRPr lang="en-US"/>
           </a:p>
@@ -8815,7 +8987,7 @@
           <a:p>
             <a:fld id="{9849E1E5-33A2-D546-B755-DFF33A1BED4A}" type="datetimeFigureOut">
               <a:rPr lang="en-US" smtClean="0"/>
-              <a:t>7/6/21</a:t>
+              <a:t>7/10/21</a:t>
             </a:fld>
             <a:endParaRPr lang="en-US"/>
           </a:p>
@@ -9322,7 +9494,7 @@
           <a:p>
             <a:fld id="{9849E1E5-33A2-D546-B755-DFF33A1BED4A}" type="datetimeFigureOut">
               <a:rPr lang="en-US" smtClean="0"/>
-              <a:t>7/6/21</a:t>
+              <a:t>7/10/21</a:t>
             </a:fld>
             <a:endParaRPr lang="en-US"/>
           </a:p>
@@ -9677,7 +9849,7 @@
           <a:p>
             <a:fld id="{9849E1E5-33A2-D546-B755-DFF33A1BED4A}" type="datetimeFigureOut">
               <a:rPr lang="en-US" smtClean="0"/>
-              <a:t>7/6/21</a:t>
+              <a:t>7/10/21</a:t>
             </a:fld>
             <a:endParaRPr lang="en-US"/>
           </a:p>
@@ -10311,6 +10483,156 @@
 </file>
 
 <file path=ppt/slides/slide1.xml><?xml version="1.0" encoding="utf-8"?>
+<p:sld xmlns:a="http://schemas.openxmlformats.org/drawingml/2006/main" xmlns:r="http://schemas.openxmlformats.org/officeDocument/2006/relationships" xmlns:p="http://schemas.openxmlformats.org/presentationml/2006/main">
+  <p:cSld>
+    <p:spTree>
+      <p:nvGrpSpPr>
+        <p:cNvPr id="1" name=""/>
+        <p:cNvGrpSpPr/>
+        <p:nvPr/>
+      </p:nvGrpSpPr>
+      <p:grpSpPr>
+        <a:xfrm>
+          <a:off x="0" y="0"/>
+          <a:ext cx="0" cy="0"/>
+          <a:chOff x="0" y="0"/>
+          <a:chExt cx="0" cy="0"/>
+        </a:xfrm>
+      </p:grpSpPr>
+      <p:sp>
+        <p:nvSpPr>
+          <p:cNvPr id="2" name="Title 1">
+            <a:extLst>
+              <a:ext uri="{FF2B5EF4-FFF2-40B4-BE49-F238E27FC236}">
+                <a16:creationId xmlns:a16="http://schemas.microsoft.com/office/drawing/2014/main" id="{F8E449E8-7B4A-8147-A0F8-1BB70A4DB66E}"/>
+              </a:ext>
+            </a:extLst>
+          </p:cNvPr>
+          <p:cNvSpPr>
+            <a:spLocks noGrp="1"/>
+          </p:cNvSpPr>
+          <p:nvPr>
+            <p:ph type="title"/>
+          </p:nvPr>
+        </p:nvSpPr>
+        <p:spPr/>
+        <p:txBody>
+          <a:bodyPr/>
+          <a:lstStyle/>
+          <a:p>
+            <a:r>
+              <a:rPr lang="en-US" dirty="0"/>
+              <a:t>Key Insights from </a:t>
+            </a:r>
+            <a:r>
+              <a:rPr lang="en-US" dirty="0" err="1"/>
+              <a:t>Aave</a:t>
+            </a:r>
+            <a:r>
+              <a:rPr lang="en-US" dirty="0"/>
+              <a:t>/Compound/</a:t>
+            </a:r>
+            <a:r>
+              <a:rPr lang="en-US" dirty="0" err="1"/>
+              <a:t>MakerDAO</a:t>
+            </a:r>
+            <a:endParaRPr lang="en-US" dirty="0"/>
+          </a:p>
+        </p:txBody>
+      </p:sp>
+      <p:sp>
+        <p:nvSpPr>
+          <p:cNvPr id="3" name="Content Placeholder 2">
+            <a:extLst>
+              <a:ext uri="{FF2B5EF4-FFF2-40B4-BE49-F238E27FC236}">
+                <a16:creationId xmlns:a16="http://schemas.microsoft.com/office/drawing/2014/main" id="{0F445A18-51D8-4644-82C6-BEA5CDD6DC49}"/>
+              </a:ext>
+            </a:extLst>
+          </p:cNvPr>
+          <p:cNvSpPr>
+            <a:spLocks noGrp="1"/>
+          </p:cNvSpPr>
+          <p:nvPr>
+            <p:ph idx="1"/>
+          </p:nvPr>
+        </p:nvSpPr>
+        <p:spPr/>
+        <p:txBody>
+          <a:bodyPr/>
+          <a:lstStyle/>
+          <a:p>
+            <a:r>
+              <a:rPr lang="en-US" dirty="0"/>
+              <a:t>90% of the $150 Bn lending is borrowed by ~1000 wallet addresses only</a:t>
+            </a:r>
+          </a:p>
+          <a:p>
+            <a:pPr lvl="1"/>
+            <a:r>
+              <a:rPr lang="en-US" dirty="0"/>
+              <a:t>Device a Pre-Approval strategy of these accounts </a:t>
+            </a:r>
+          </a:p>
+          <a:p>
+            <a:pPr lvl="1"/>
+            <a:r>
+              <a:rPr lang="en-US" dirty="0"/>
+              <a:t>Deep dive into these addresses is currently ongoing to try and find out more about how to attract them to Teller </a:t>
+            </a:r>
+          </a:p>
+          <a:p>
+            <a:r>
+              <a:rPr lang="en-US" dirty="0"/>
+              <a:t>Total borrowers till date ~94K Unique Addresses</a:t>
+            </a:r>
+          </a:p>
+          <a:p>
+            <a:pPr lvl="1"/>
+            <a:r>
+              <a:rPr lang="en-US" dirty="0"/>
+              <a:t>~ 64K have made their payments without liquidating the collateral ( good payment </a:t>
+            </a:r>
+            <a:r>
+              <a:rPr lang="en-US" dirty="0" err="1"/>
+              <a:t>behaviour</a:t>
+            </a:r>
+            <a:r>
+              <a:rPr lang="en-US" dirty="0"/>
+              <a:t>)</a:t>
+            </a:r>
+          </a:p>
+          <a:p>
+            <a:pPr lvl="1"/>
+            <a:r>
+              <a:rPr lang="en-US" dirty="0"/>
+              <a:t>Working on more indicators to find out more about these accts   </a:t>
+            </a:r>
+          </a:p>
+          <a:p>
+            <a:pPr marL="0" indent="0">
+              <a:buNone/>
+            </a:pPr>
+            <a:endParaRPr lang="en-US" dirty="0"/>
+          </a:p>
+          <a:p>
+            <a:endParaRPr lang="en-US" dirty="0"/>
+          </a:p>
+        </p:txBody>
+      </p:sp>
+    </p:spTree>
+    <p:extLst>
+      <p:ext uri="{BB962C8B-B14F-4D97-AF65-F5344CB8AC3E}">
+        <p14:creationId xmlns:p14="http://schemas.microsoft.com/office/powerpoint/2010/main" val="2278286267"/>
+      </p:ext>
+    </p:extLst>
+  </p:cSld>
+  <p:clrMapOvr>
+    <a:masterClrMapping/>
+  </p:clrMapOvr>
+</p:sld>
+</file>
+
+<file path=ppt/slides/slide2.xml><?xml version="1.0" encoding="utf-8"?>
 <p:sld xmlns:a="http://schemas.openxmlformats.org/drawingml/2006/main" xmlns:r="http://schemas.openxmlformats.org/officeDocument/2006/relationships" xmlns:p="http://schemas.openxmlformats.org/presentationml/2006/main">
   <p:cSld>
     <p:spTree>
@@ -12414,7 +12736,7 @@
               </a:pPr>
               <a:r>
                 <a:rPr lang="en-US" sz="900" kern="1200" dirty="0"/>
-                <a:t>Ceramic</a:t>
+                <a:t>Bloom</a:t>
               </a:r>
             </a:p>
           </p:txBody>
@@ -12881,42 +13203,6 @@
         <p:spPr>
           <a:xfrm flipV="1">
             <a:off x="7406192" y="647346"/>
-            <a:ext cx="246945" cy="246945"/>
-          </a:xfrm>
-          <a:prstGeom prst="rect">
-            <a:avLst/>
-          </a:prstGeom>
-        </p:spPr>
-      </p:pic>
-      <p:pic>
-        <p:nvPicPr>
-          <p:cNvPr id="73" name="Graphic 72" descr="Hourglass 60% outline">
-            <a:extLst>
-              <a:ext uri="{FF2B5EF4-FFF2-40B4-BE49-F238E27FC236}">
-                <a16:creationId xmlns:a16="http://schemas.microsoft.com/office/drawing/2014/main" id="{4423D2A3-D279-FE4C-BC6D-3A4DD4EF1BD8}"/>
-              </a:ext>
-            </a:extLst>
-          </p:cNvPr>
-          <p:cNvPicPr>
-            <a:picLocks noChangeAspect="1"/>
-          </p:cNvPicPr>
-          <p:nvPr/>
-        </p:nvPicPr>
-        <p:blipFill>
-          <a:blip r:embed="rId9">
-            <a:extLst>
-              <a:ext uri="{96DAC541-7B7A-43D3-8B79-37D633B846F1}">
-                <asvg:svgBlip xmlns:asvg="http://schemas.microsoft.com/office/drawing/2016/SVG/main" r:embed="rId10"/>
-              </a:ext>
-            </a:extLst>
-          </a:blip>
-          <a:stretch>
-            <a:fillRect/>
-          </a:stretch>
-        </p:blipFill>
-        <p:spPr>
-          <a:xfrm flipV="1">
-            <a:off x="3460158" y="737222"/>
             <a:ext cx="246945" cy="246945"/>
           </a:xfrm>
           <a:prstGeom prst="rect">
@@ -13663,8 +13949,208 @@
         </p:blipFill>
         <p:spPr>
           <a:xfrm>
-            <a:off x="6497143" y="6165892"/>
+            <a:off x="6607075" y="6196946"/>
             <a:ext cx="272380" cy="272380"/>
+          </a:xfrm>
+          <a:prstGeom prst="rect">
+            <a:avLst/>
+          </a:prstGeom>
+        </p:spPr>
+      </p:pic>
+      <p:pic>
+        <p:nvPicPr>
+          <p:cNvPr id="92" name="Graphic 91" descr="Badge Tick outline">
+            <a:extLst>
+              <a:ext uri="{FF2B5EF4-FFF2-40B4-BE49-F238E27FC236}">
+                <a16:creationId xmlns:a16="http://schemas.microsoft.com/office/drawing/2014/main" id="{D4F74F99-3EAA-EE4A-89FC-043B03415785}"/>
+              </a:ext>
+            </a:extLst>
+          </p:cNvPr>
+          <p:cNvPicPr>
+            <a:picLocks noChangeAspect="1"/>
+          </p:cNvPicPr>
+          <p:nvPr/>
+        </p:nvPicPr>
+        <p:blipFill>
+          <a:blip r:embed="rId11">
+            <a:extLst>
+              <a:ext uri="{96DAC541-7B7A-43D3-8B79-37D633B846F1}">
+                <asvg:svgBlip xmlns:asvg="http://schemas.microsoft.com/office/drawing/2016/SVG/main" r:embed="rId13"/>
+              </a:ext>
+            </a:extLst>
+          </a:blip>
+          <a:stretch>
+            <a:fillRect/>
+          </a:stretch>
+        </p:blipFill>
+        <p:spPr>
+          <a:xfrm>
+            <a:off x="3569086" y="634028"/>
+            <a:ext cx="272380" cy="272380"/>
+          </a:xfrm>
+          <a:prstGeom prst="rect">
+            <a:avLst/>
+          </a:prstGeom>
+        </p:spPr>
+      </p:pic>
+      <p:grpSp>
+        <p:nvGrpSpPr>
+          <p:cNvPr id="99" name="Group 98">
+            <a:extLst>
+              <a:ext uri="{FF2B5EF4-FFF2-40B4-BE49-F238E27FC236}">
+                <a16:creationId xmlns:a16="http://schemas.microsoft.com/office/drawing/2014/main" id="{EE0A27F6-04B4-CD43-9CAD-5E4D5E05E8B6}"/>
+              </a:ext>
+            </a:extLst>
+          </p:cNvPr>
+          <p:cNvGrpSpPr/>
+          <p:nvPr/>
+        </p:nvGrpSpPr>
+        <p:grpSpPr>
+          <a:xfrm>
+            <a:off x="7883196" y="6367603"/>
+            <a:ext cx="750662" cy="403528"/>
+            <a:chOff x="4490549" y="219579"/>
+            <a:chExt cx="976394" cy="976394"/>
+          </a:xfrm>
+        </p:grpSpPr>
+        <p:sp>
+          <p:nvSpPr>
+            <p:cNvPr id="100" name="Oval 99">
+              <a:extLst>
+                <a:ext uri="{FF2B5EF4-FFF2-40B4-BE49-F238E27FC236}">
+                  <a16:creationId xmlns:a16="http://schemas.microsoft.com/office/drawing/2014/main" id="{A112E60F-5781-E445-BAB2-E0D3775B8912}"/>
+                </a:ext>
+              </a:extLst>
+            </p:cNvPr>
+            <p:cNvSpPr/>
+            <p:nvPr/>
+          </p:nvSpPr>
+          <p:spPr>
+            <a:xfrm>
+              <a:off x="4490549" y="219579"/>
+              <a:ext cx="976394" cy="976394"/>
+            </a:xfrm>
+            <a:prstGeom prst="ellipse">
+              <a:avLst/>
+            </a:prstGeom>
+            <a:ln>
+              <a:noFill/>
+            </a:ln>
+          </p:spPr>
+          <p:style>
+            <a:lnRef idx="2">
+              <a:schemeClr val="accent1">
+                <a:shade val="50000"/>
+              </a:schemeClr>
+            </a:lnRef>
+            <a:fillRef idx="1">
+              <a:schemeClr val="accent1"/>
+            </a:fillRef>
+            <a:effectRef idx="0">
+              <a:schemeClr val="accent1"/>
+            </a:effectRef>
+            <a:fontRef idx="minor">
+              <a:schemeClr val="lt1"/>
+            </a:fontRef>
+          </p:style>
+        </p:sp>
+        <p:sp>
+          <p:nvSpPr>
+            <p:cNvPr id="101" name="Oval 4">
+              <a:extLst>
+                <a:ext uri="{FF2B5EF4-FFF2-40B4-BE49-F238E27FC236}">
+                  <a16:creationId xmlns:a16="http://schemas.microsoft.com/office/drawing/2014/main" id="{4330886C-E6C9-2B4E-AA69-5E145EC9E941}"/>
+                </a:ext>
+              </a:extLst>
+            </p:cNvPr>
+            <p:cNvSpPr txBox="1"/>
+            <p:nvPr/>
+          </p:nvSpPr>
+          <p:spPr>
+            <a:xfrm>
+              <a:off x="4633539" y="362570"/>
+              <a:ext cx="690414" cy="690414"/>
+            </a:xfrm>
+            <a:prstGeom prst="rect">
+              <a:avLst/>
+            </a:prstGeom>
+            <a:ln>
+              <a:noFill/>
+            </a:ln>
+          </p:spPr>
+          <p:style>
+            <a:lnRef idx="2">
+              <a:schemeClr val="accent1">
+                <a:shade val="50000"/>
+              </a:schemeClr>
+            </a:lnRef>
+            <a:fillRef idx="1">
+              <a:schemeClr val="accent1"/>
+            </a:fillRef>
+            <a:effectRef idx="0">
+              <a:schemeClr val="accent1"/>
+            </a:effectRef>
+            <a:fontRef idx="minor">
+              <a:schemeClr val="lt1"/>
+            </a:fontRef>
+          </p:style>
+          <p:txBody>
+            <a:bodyPr spcFirstLastPara="0" vert="horz" wrap="square" lIns="15240" tIns="15240" rIns="15240" bIns="15240" numCol="1" spcCol="1270" anchor="ctr" anchorCtr="0">
+              <a:noAutofit/>
+            </a:bodyPr>
+            <a:lstStyle/>
+            <a:p>
+              <a:pPr marL="0" lvl="0" indent="0" algn="ctr" defTabSz="533400">
+                <a:lnSpc>
+                  <a:spcPct val="90000"/>
+                </a:lnSpc>
+                <a:spcBef>
+                  <a:spcPct val="0"/>
+                </a:spcBef>
+                <a:spcAft>
+                  <a:spcPct val="35000"/>
+                </a:spcAft>
+                <a:buNone/>
+              </a:pPr>
+              <a:r>
+                <a:rPr lang="en-US" sz="800" kern="1200" dirty="0" err="1"/>
+                <a:t>TrueWork</a:t>
+              </a:r>
+              <a:endParaRPr lang="en-US" sz="800" kern="1200" dirty="0"/>
+            </a:p>
+          </p:txBody>
+        </p:sp>
+      </p:grpSp>
+      <p:pic>
+        <p:nvPicPr>
+          <p:cNvPr id="102" name="Graphic 101" descr="Hourglass 60% outline">
+            <a:extLst>
+              <a:ext uri="{FF2B5EF4-FFF2-40B4-BE49-F238E27FC236}">
+                <a16:creationId xmlns:a16="http://schemas.microsoft.com/office/drawing/2014/main" id="{FA6B5E81-12CE-8E4E-9487-224DA43807C9}"/>
+              </a:ext>
+            </a:extLst>
+          </p:cNvPr>
+          <p:cNvPicPr>
+            <a:picLocks noChangeAspect="1"/>
+          </p:cNvPicPr>
+          <p:nvPr/>
+        </p:nvPicPr>
+        <p:blipFill>
+          <a:blip r:embed="rId9">
+            <a:extLst>
+              <a:ext uri="{96DAC541-7B7A-43D3-8B79-37D633B846F1}">
+                <asvg:svgBlip xmlns:asvg="http://schemas.microsoft.com/office/drawing/2016/SVG/main" r:embed="rId10"/>
+              </a:ext>
+            </a:extLst>
+          </a:blip>
+          <a:stretch>
+            <a:fillRect/>
+          </a:stretch>
+        </p:blipFill>
+        <p:spPr>
+          <a:xfrm flipV="1">
+            <a:off x="8276981" y="6168482"/>
+            <a:ext cx="246945" cy="246945"/>
           </a:xfrm>
           <a:prstGeom prst="rect">
             <a:avLst/>
@@ -13684,7 +14170,7 @@
 </p:sld>
 </file>
 
-<file path=ppt/slides/slide2.xml><?xml version="1.0" encoding="utf-8"?>
+<file path=ppt/slides/slide3.xml><?xml version="1.0" encoding="utf-8"?>
 <p:sld xmlns:a="http://schemas.openxmlformats.org/drawingml/2006/main" xmlns:r="http://schemas.openxmlformats.org/officeDocument/2006/relationships" xmlns:p="http://schemas.openxmlformats.org/presentationml/2006/main">
   <p:cSld>
     <p:spTree>
@@ -16364,7 +16850,7 @@
           <a:p>
             <a:r>
               <a:rPr lang="en-US" sz="1100" dirty="0"/>
-              <a:t>$0</a:t>
+              <a:t>$0.2</a:t>
             </a:r>
           </a:p>
         </p:txBody>
@@ -17047,7 +17533,7 @@
 </p:sld>
 </file>
 
-<file path=ppt/slides/slide3.xml><?xml version="1.0" encoding="utf-8"?>
+<file path=ppt/slides/slide4.xml><?xml version="1.0" encoding="utf-8"?>
 <p:sld xmlns:a="http://schemas.openxmlformats.org/drawingml/2006/main" xmlns:r="http://schemas.openxmlformats.org/officeDocument/2006/relationships" xmlns:p="http://schemas.openxmlformats.org/presentationml/2006/main">
   <p:cSld>
     <p:spTree>
@@ -17987,8 +18473,8 @@
           </a:p>
         </p:txBody>
       </p:sp>
-      <mc:AlternateContent xmlns:mc="http://schemas.openxmlformats.org/markup-compatibility/2006">
-        <mc:Choice xmlns:a14="http://schemas.microsoft.com/office/drawing/2010/main" Requires="a14">
+      <mc:AlternateContent xmlns:mc="http://schemas.openxmlformats.org/markup-compatibility/2006" xmlns:a14="http://schemas.microsoft.com/office/drawing/2010/main">
+        <mc:Choice Requires="a14">
           <p:sp>
             <p:nvSpPr>
               <p:cNvPr id="29" name="TextBox 28">
@@ -18076,13 +18562,7 @@
                       <a:rPr lang="en-CA" sz="1400" b="0" i="1" smtClean="0">
                         <a:latin typeface="Cambria Math" panose="02040503050406030204" pitchFamily="18" charset="0"/>
                       </a:rPr>
-                      <m:t>∗</m:t>
-                    </m:r>
-                    <m:r>
-                      <a:rPr lang="en-CA" sz="1400" b="0" i="1" smtClean="0">
-                        <a:latin typeface="Cambria Math" panose="02040503050406030204" pitchFamily="18" charset="0"/>
-                      </a:rPr>
-                      <m:t>(</m:t>
+                      <m:t>∗(</m:t>
                     </m:r>
                     <m:r>
                       <a:rPr lang="en-CA" sz="1400" b="0" i="1" smtClean="0">
@@ -18489,7 +18969,7 @@
             </p:txBody>
           </p:sp>
         </mc:Choice>
-        <mc:Fallback>
+        <mc:Fallback xmlns="">
           <p:sp>
             <p:nvSpPr>
               <p:cNvPr id="29" name="TextBox 28">
